--- a/04_report/PPT TransBorder Freight Data Analysis.pptx
+++ b/04_report/PPT TransBorder Freight Data Analysis.pptx
@@ -2500,10 +2500,19 @@
       <dgm:prSet/>
       <dgm:spPr bwMode="auto"/>
       <dgm:t>
-        <a:bodyPr/>
+        <a:bodyPr vert="horz" anchor="ctr"/>
         <a:lstStyle/>
         <a:p>
-          <a:pPr>
+          <a:pPr algn="l" defTabSz="977899">
+            <a:lnSpc>
+              <a:spcPct val="90000"/>
+            </a:lnSpc>
+            <a:spcBef>
+              <a:spcPts val="0"/>
+            </a:spcBef>
+            <a:spcAft>
+              <a:spcPts val="0"/>
+            </a:spcAft>
             <a:defRPr/>
           </a:pPr>
           <a:r>
@@ -2512,7 +2521,7 @@
           </a:r>
           <a:r>
             <a:rPr lang="en-US"/>
-            <a:t> $15.15 trillion.</a:t>
+            <a:t> 15.15 trillion USD.</a:t>
           </a:r>
           <a:endParaRPr/>
         </a:p>
@@ -2600,10 +2609,19 @@
       <dgm:prSet/>
       <dgm:spPr bwMode="auto"/>
       <dgm:t>
-        <a:bodyPr/>
+        <a:bodyPr vert="horz" anchor="ctr"/>
         <a:lstStyle/>
         <a:p>
-          <a:pPr>
+          <a:pPr algn="l" defTabSz="977899">
+            <a:lnSpc>
+              <a:spcPct val="90000"/>
+            </a:lnSpc>
+            <a:spcBef>
+              <a:spcPts val="0"/>
+            </a:spcBef>
+            <a:spcAft>
+              <a:spcPts val="0"/>
+            </a:spcAft>
             <a:defRPr/>
           </a:pPr>
           <a:r>
@@ -2612,7 +2630,7 @@
           </a:r>
           <a:r>
             <a:rPr lang="en-US"/>
-            <a:t> $200.4 billion USD</a:t>
+            <a:t> 200.4 billion USD</a:t>
           </a:r>
           <a:endParaRPr/>
         </a:p>
@@ -2650,10 +2668,19 @@
       <dgm:prSet/>
       <dgm:spPr bwMode="auto"/>
       <dgm:t>
-        <a:bodyPr/>
+        <a:bodyPr vert="horz" anchor="ctr"/>
         <a:lstStyle/>
         <a:p>
-          <a:pPr>
+          <a:pPr algn="l" defTabSz="977899">
+            <a:lnSpc>
+              <a:spcPct val="90000"/>
+            </a:lnSpc>
+            <a:spcBef>
+              <a:spcPts val="0"/>
+            </a:spcBef>
+            <a:spcAft>
+              <a:spcPts val="0"/>
+            </a:spcAft>
             <a:defRPr/>
           </a:pPr>
           <a:r>
@@ -2662,7 +2689,11 @@
           </a:r>
           <a:r>
             <a:rPr lang="en-US"/>
-            <a:t> $38,225.81</a:t>
+            <a:t> 38,225.81</a:t>
+          </a:r>
+          <a:r>
+            <a:rPr/>
+            <a:t> USD</a:t>
           </a:r>
           <a:endParaRPr/>
         </a:p>
@@ -2898,7 +2929,7 @@
 <dsp:drawing xmlns:dsp="http://schemas.microsoft.com/office/drawing/2008/diagram" xmlns:dgm="http://schemas.openxmlformats.org/drawingml/2006/diagram" xmlns:a="http://schemas.openxmlformats.org/drawingml/2006/main" xmlns:r="http://schemas.openxmlformats.org/officeDocument/2006/relationships">
   <dsp:spTree>
     <dsp:nvGrpSpPr>
-      <dsp:cNvPr id="1089892046" name=""/>
+      <dsp:cNvPr id="808495149" name=""/>
       <dsp:cNvGrpSpPr/>
     </dsp:nvGrpSpPr>
     <dsp:grpSpPr bwMode="auto">
@@ -3106,7 +3137,7 @@
           <a:avLst/>
         </a:prstGeom>
         <a:blipFill>
-          <a:blip r:embed="rId3"/>
+          <a:blip r:embed="rId2"/>
           <a:stretch/>
         </a:blipFill>
         <a:ln w="12700" cap="flat" cmpd="sng" algn="ctr">
@@ -3250,7 +3281,7 @@
           <a:avLst/>
         </a:prstGeom>
         <a:blipFill>
-          <a:blip r:embed="rId5"/>
+          <a:blip r:embed="rId3"/>
           <a:stretch/>
         </a:blipFill>
         <a:ln w="12700" cap="flat" cmpd="sng" algn="ctr">
@@ -3394,7 +3425,7 @@
           <a:avLst/>
         </a:prstGeom>
         <a:blipFill>
-          <a:blip r:embed="rId7"/>
+          <a:blip r:embed="rId4"/>
           <a:stretch/>
         </a:blipFill>
         <a:ln w="12700" cap="flat" cmpd="sng" algn="ctr">
@@ -3538,7 +3569,7 @@
           <a:avLst/>
         </a:prstGeom>
         <a:blipFill>
-          <a:blip r:embed="rId9"/>
+          <a:blip r:embed="rId5"/>
           <a:stretch/>
         </a:blipFill>
         <a:ln w="12700" cap="flat" cmpd="sng" algn="ctr">
@@ -3637,7 +3668,7 @@
 <dsp:drawing xmlns:dsp="http://schemas.microsoft.com/office/drawing/2008/diagram" xmlns:dgm="http://schemas.openxmlformats.org/drawingml/2006/diagram" xmlns:a="http://schemas.openxmlformats.org/drawingml/2006/main" xmlns:r="http://schemas.openxmlformats.org/officeDocument/2006/relationships">
   <dsp:spTree>
     <dsp:nvGrpSpPr>
-      <dsp:cNvPr id="945055502" name=""/>
+      <dsp:cNvPr id="450337121" name=""/>
       <dsp:cNvGrpSpPr/>
     </dsp:nvGrpSpPr>
     <dsp:grpSpPr bwMode="auto">
@@ -3785,7 +3816,7 @@
           </a:r>
           <a:r>
             <a:rPr lang="en-US" sz="2200"/>
-            <a:t> $15.15 trillion.</a:t>
+            <a:t> 15.15 trillion USD.</a:t>
           </a:r>
           <a:endParaRPr/>
         </a:p>
@@ -3851,7 +3882,7 @@
           <a:avLst/>
         </a:prstGeom>
         <a:blipFill>
-          <a:blip r:embed="rId3"/>
+          <a:blip r:embed="rId2"/>
           <a:stretch/>
         </a:blipFill>
         <a:ln w="12700" cap="flat" cmpd="sng" algn="ctr">
@@ -3998,7 +4029,7 @@
           <a:avLst/>
         </a:prstGeom>
         <a:blipFill>
-          <a:blip r:embed="rId5"/>
+          <a:blip r:embed="rId3"/>
           <a:stretch/>
         </a:blipFill>
         <a:ln w="12700" cap="flat" cmpd="sng" algn="ctr">
@@ -4079,7 +4110,7 @@
           </a:r>
           <a:r>
             <a:rPr lang="en-US" sz="2200"/>
-            <a:t> $200.4 billion USD</a:t>
+            <a:t> 200.4 billion USD</a:t>
           </a:r>
           <a:endParaRPr/>
         </a:p>
@@ -4145,7 +4176,7 @@
           <a:avLst/>
         </a:prstGeom>
         <a:blipFill>
-          <a:blip r:embed="rId7"/>
+          <a:blip r:embed="rId4"/>
           <a:stretch/>
         </a:blipFill>
         <a:ln w="12700" cap="flat" cmpd="sng" algn="ctr">
@@ -4226,7 +4257,11 @@
           </a:r>
           <a:r>
             <a:rPr lang="en-US" sz="2200"/>
-            <a:t> $38,225.81</a:t>
+            <a:t> 38,225.81</a:t>
+          </a:r>
+          <a:r>
+            <a:rPr/>
+            <a:t> USD</a:t>
           </a:r>
           <a:endParaRPr/>
         </a:p>
